--- a/Docs/Presentations/ML Methods for Object Recognition in Dark - 1.pptx
+++ b/Docs/Presentations/ML Methods for Object Recognition in Dark - 1.pptx
@@ -282,7 +282,7 @@
           <a:p>
             <a:fld id="{AB163A45-F080-4B72-A50F-990A53D03942}" type="datetimeFigureOut">
               <a:rPr lang="en-US" smtClean="0"/>
-              <a:t>5/21/2022</a:t>
+              <a:t>5/26/2022</a:t>
             </a:fld>
             <a:endParaRPr lang="en-US"/>
           </a:p>
@@ -480,7 +480,7 @@
           <a:p>
             <a:fld id="{AB163A45-F080-4B72-A50F-990A53D03942}" type="datetimeFigureOut">
               <a:rPr lang="en-US" smtClean="0"/>
-              <a:t>5/21/2022</a:t>
+              <a:t>5/26/2022</a:t>
             </a:fld>
             <a:endParaRPr lang="en-US"/>
           </a:p>
@@ -688,7 +688,7 @@
           <a:p>
             <a:fld id="{AB163A45-F080-4B72-A50F-990A53D03942}" type="datetimeFigureOut">
               <a:rPr lang="en-US" smtClean="0"/>
-              <a:t>5/21/2022</a:t>
+              <a:t>5/26/2022</a:t>
             </a:fld>
             <a:endParaRPr lang="en-US"/>
           </a:p>
@@ -886,7 +886,7 @@
           <a:p>
             <a:fld id="{AB163A45-F080-4B72-A50F-990A53D03942}" type="datetimeFigureOut">
               <a:rPr lang="en-US" smtClean="0"/>
-              <a:t>5/21/2022</a:t>
+              <a:t>5/26/2022</a:t>
             </a:fld>
             <a:endParaRPr lang="en-US"/>
           </a:p>
@@ -1161,7 +1161,7 @@
           <a:p>
             <a:fld id="{AB163A45-F080-4B72-A50F-990A53D03942}" type="datetimeFigureOut">
               <a:rPr lang="en-US" smtClean="0"/>
-              <a:t>5/21/2022</a:t>
+              <a:t>5/26/2022</a:t>
             </a:fld>
             <a:endParaRPr lang="en-US"/>
           </a:p>
@@ -1426,7 +1426,7 @@
           <a:p>
             <a:fld id="{AB163A45-F080-4B72-A50F-990A53D03942}" type="datetimeFigureOut">
               <a:rPr lang="en-US" smtClean="0"/>
-              <a:t>5/21/2022</a:t>
+              <a:t>5/26/2022</a:t>
             </a:fld>
             <a:endParaRPr lang="en-US"/>
           </a:p>
@@ -1838,7 +1838,7 @@
           <a:p>
             <a:fld id="{AB163A45-F080-4B72-A50F-990A53D03942}" type="datetimeFigureOut">
               <a:rPr lang="en-US" smtClean="0"/>
-              <a:t>5/21/2022</a:t>
+              <a:t>5/26/2022</a:t>
             </a:fld>
             <a:endParaRPr lang="en-US"/>
           </a:p>
@@ -1979,7 +1979,7 @@
           <a:p>
             <a:fld id="{AB163A45-F080-4B72-A50F-990A53D03942}" type="datetimeFigureOut">
               <a:rPr lang="en-US" smtClean="0"/>
-              <a:t>5/21/2022</a:t>
+              <a:t>5/26/2022</a:t>
             </a:fld>
             <a:endParaRPr lang="en-US"/>
           </a:p>
@@ -2092,7 +2092,7 @@
           <a:p>
             <a:fld id="{AB163A45-F080-4B72-A50F-990A53D03942}" type="datetimeFigureOut">
               <a:rPr lang="en-US" smtClean="0"/>
-              <a:t>5/21/2022</a:t>
+              <a:t>5/26/2022</a:t>
             </a:fld>
             <a:endParaRPr lang="en-US"/>
           </a:p>
@@ -2403,7 +2403,7 @@
           <a:p>
             <a:fld id="{AB163A45-F080-4B72-A50F-990A53D03942}" type="datetimeFigureOut">
               <a:rPr lang="en-US" smtClean="0"/>
-              <a:t>5/21/2022</a:t>
+              <a:t>5/26/2022</a:t>
             </a:fld>
             <a:endParaRPr lang="en-US"/>
           </a:p>
@@ -2691,7 +2691,7 @@
           <a:p>
             <a:fld id="{AB163A45-F080-4B72-A50F-990A53D03942}" type="datetimeFigureOut">
               <a:rPr lang="en-US" smtClean="0"/>
-              <a:t>5/21/2022</a:t>
+              <a:t>5/26/2022</a:t>
             </a:fld>
             <a:endParaRPr lang="en-US"/>
           </a:p>
@@ -2935,7 +2935,7 @@
           <a:p>
             <a:fld id="{AB163A45-F080-4B72-A50F-990A53D03942}" type="datetimeFigureOut">
               <a:rPr lang="en-US" smtClean="0"/>
-              <a:t>5/21/2022</a:t>
+              <a:t>5/26/2022</a:t>
             </a:fld>
             <a:endParaRPr lang="en-US"/>
           </a:p>
@@ -5943,39 +5943,6 @@
               <a:lnSpc>
                 <a:spcPct val="115000"/>
               </a:lnSpc>
-              <a:buFont typeface="Symbol" panose="05050102010706020507" pitchFamily="18" charset="2"/>
-              <a:buChar char=""/>
-            </a:pPr>
-            <a:r>
-              <a:rPr lang="en-US" sz="1600" dirty="0">
-                <a:effectLst/>
-                <a:latin typeface="Calibri" panose="020F0502020204030204" pitchFamily="34" charset="0"/>
-                <a:ea typeface="Calibri" panose="020F0502020204030204" pitchFamily="34" charset="0"/>
-                <a:cs typeface="Arial" panose="020B0604020202020204" pitchFamily="34" charset="0"/>
-              </a:rPr>
-              <a:t>F1 Score</a:t>
-            </a:r>
-            <a:r>
-              <a:rPr lang="en-US" sz="1600" dirty="0">
-                <a:effectLst/>
-                <a:latin typeface="Arial" panose="020B0604020202020204" pitchFamily="34" charset="0"/>
-                <a:ea typeface="Calibri" panose="020F0502020204030204" pitchFamily="34" charset="0"/>
-                <a:cs typeface="Arial" panose="020B0604020202020204" pitchFamily="34" charset="0"/>
-              </a:rPr>
-              <a:t> </a:t>
-            </a:r>
-            <a:endParaRPr lang="en-IL" sz="1600" dirty="0">
-              <a:effectLst/>
-              <a:latin typeface="Calibri" panose="020F0502020204030204" pitchFamily="34" charset="0"/>
-              <a:ea typeface="Calibri" panose="020F0502020204030204" pitchFamily="34" charset="0"/>
-              <a:cs typeface="Arial" panose="020B0604020202020204" pitchFamily="34" charset="0"/>
-            </a:endParaRPr>
-          </a:p>
-          <a:p>
-            <a:pPr marL="742950" lvl="1" indent="-285750" algn="r" rtl="1">
-              <a:lnSpc>
-                <a:spcPct val="115000"/>
-              </a:lnSpc>
               <a:spcAft>
                 <a:spcPts val="1000"/>
               </a:spcAft>
